--- a/Images/ADCS Flow.pptx
+++ b/Images/ADCS Flow.pptx
@@ -7,6 +7,7 @@
   <p:sldIdLst>
     <p:sldId id="256" r:id="rId2"/>
     <p:sldId id="257" r:id="rId3"/>
+    <p:sldId id="258" r:id="rId4"/>
   </p:sldIdLst>
   <p:sldSz cx="12192000" cy="6858000"/>
   <p:notesSz cx="6858000" cy="9144000"/>
@@ -260,7 +261,7 @@
           <a:p>
             <a:fld id="{1647C0CB-CEA8-49F8-97F0-1D9046883B2E}" type="datetimeFigureOut">
               <a:rPr lang="en-US" smtClean="0"/>
-              <a:t>11/1/2021</a:t>
+              <a:t>11/7/2021</a:t>
             </a:fld>
             <a:endParaRPr lang="en-US"/>
           </a:p>
@@ -458,7 +459,7 @@
           <a:p>
             <a:fld id="{1647C0CB-CEA8-49F8-97F0-1D9046883B2E}" type="datetimeFigureOut">
               <a:rPr lang="en-US" smtClean="0"/>
-              <a:t>11/1/2021</a:t>
+              <a:t>11/7/2021</a:t>
             </a:fld>
             <a:endParaRPr lang="en-US"/>
           </a:p>
@@ -666,7 +667,7 @@
           <a:p>
             <a:fld id="{1647C0CB-CEA8-49F8-97F0-1D9046883B2E}" type="datetimeFigureOut">
               <a:rPr lang="en-US" smtClean="0"/>
-              <a:t>11/1/2021</a:t>
+              <a:t>11/7/2021</a:t>
             </a:fld>
             <a:endParaRPr lang="en-US"/>
           </a:p>
@@ -864,7 +865,7 @@
           <a:p>
             <a:fld id="{1647C0CB-CEA8-49F8-97F0-1D9046883B2E}" type="datetimeFigureOut">
               <a:rPr lang="en-US" smtClean="0"/>
-              <a:t>11/1/2021</a:t>
+              <a:t>11/7/2021</a:t>
             </a:fld>
             <a:endParaRPr lang="en-US"/>
           </a:p>
@@ -1139,7 +1140,7 @@
           <a:p>
             <a:fld id="{1647C0CB-CEA8-49F8-97F0-1D9046883B2E}" type="datetimeFigureOut">
               <a:rPr lang="en-US" smtClean="0"/>
-              <a:t>11/1/2021</a:t>
+              <a:t>11/7/2021</a:t>
             </a:fld>
             <a:endParaRPr lang="en-US"/>
           </a:p>
@@ -1404,7 +1405,7 @@
           <a:p>
             <a:fld id="{1647C0CB-CEA8-49F8-97F0-1D9046883B2E}" type="datetimeFigureOut">
               <a:rPr lang="en-US" smtClean="0"/>
-              <a:t>11/1/2021</a:t>
+              <a:t>11/7/2021</a:t>
             </a:fld>
             <a:endParaRPr lang="en-US"/>
           </a:p>
@@ -1816,7 +1817,7 @@
           <a:p>
             <a:fld id="{1647C0CB-CEA8-49F8-97F0-1D9046883B2E}" type="datetimeFigureOut">
               <a:rPr lang="en-US" smtClean="0"/>
-              <a:t>11/1/2021</a:t>
+              <a:t>11/7/2021</a:t>
             </a:fld>
             <a:endParaRPr lang="en-US"/>
           </a:p>
@@ -1957,7 +1958,7 @@
           <a:p>
             <a:fld id="{1647C0CB-CEA8-49F8-97F0-1D9046883B2E}" type="datetimeFigureOut">
               <a:rPr lang="en-US" smtClean="0"/>
-              <a:t>11/1/2021</a:t>
+              <a:t>11/7/2021</a:t>
             </a:fld>
             <a:endParaRPr lang="en-US"/>
           </a:p>
@@ -2070,7 +2071,7 @@
           <a:p>
             <a:fld id="{1647C0CB-CEA8-49F8-97F0-1D9046883B2E}" type="datetimeFigureOut">
               <a:rPr lang="en-US" smtClean="0"/>
-              <a:t>11/1/2021</a:t>
+              <a:t>11/7/2021</a:t>
             </a:fld>
             <a:endParaRPr lang="en-US"/>
           </a:p>
@@ -2381,7 +2382,7 @@
           <a:p>
             <a:fld id="{1647C0CB-CEA8-49F8-97F0-1D9046883B2E}" type="datetimeFigureOut">
               <a:rPr lang="en-US" smtClean="0"/>
-              <a:t>11/1/2021</a:t>
+              <a:t>11/7/2021</a:t>
             </a:fld>
             <a:endParaRPr lang="en-US"/>
           </a:p>
@@ -2669,7 +2670,7 @@
           <a:p>
             <a:fld id="{1647C0CB-CEA8-49F8-97F0-1D9046883B2E}" type="datetimeFigureOut">
               <a:rPr lang="en-US" smtClean="0"/>
-              <a:t>11/1/2021</a:t>
+              <a:t>11/7/2021</a:t>
             </a:fld>
             <a:endParaRPr lang="en-US"/>
           </a:p>
@@ -2910,7 +2911,7 @@
           <a:p>
             <a:fld id="{1647C0CB-CEA8-49F8-97F0-1D9046883B2E}" type="datetimeFigureOut">
               <a:rPr lang="en-US" smtClean="0"/>
-              <a:t>11/1/2021</a:t>
+              <a:t>11/7/2021</a:t>
             </a:fld>
             <a:endParaRPr lang="en-US"/>
           </a:p>
@@ -6340,6 +6341,650 @@
 </p:sld>
 </file>
 
+<file path=ppt/slides/slide3.xml><?xml version="1.0" encoding="utf-8"?>
+<p:sld xmlns:a="http://schemas.openxmlformats.org/drawingml/2006/main" xmlns:r="http://schemas.openxmlformats.org/officeDocument/2006/relationships" xmlns:p="http://schemas.openxmlformats.org/presentationml/2006/main">
+  <p:cSld>
+    <p:spTree>
+      <p:nvGrpSpPr>
+        <p:cNvPr id="1" name=""/>
+        <p:cNvGrpSpPr/>
+        <p:nvPr/>
+      </p:nvGrpSpPr>
+      <p:grpSpPr>
+        <a:xfrm>
+          <a:off x="0" y="0"/>
+          <a:ext cx="0" cy="0"/>
+          <a:chOff x="0" y="0"/>
+          <a:chExt cx="0" cy="0"/>
+        </a:xfrm>
+      </p:grpSpPr>
+      <p:sp>
+        <p:nvSpPr>
+          <p:cNvPr id="2" name="TextBox 1">
+            <a:extLst>
+              <a:ext uri="{FF2B5EF4-FFF2-40B4-BE49-F238E27FC236}">
+                <a16:creationId xmlns:a16="http://schemas.microsoft.com/office/drawing/2014/main" id="{2781366B-02F3-4E97-961B-D310B0A20FF9}"/>
+              </a:ext>
+            </a:extLst>
+          </p:cNvPr>
+          <p:cNvSpPr txBox="1"/>
+          <p:nvPr/>
+        </p:nvSpPr>
+        <p:spPr>
+          <a:xfrm>
+            <a:off x="3844657" y="297868"/>
+            <a:ext cx="3269836" cy="1200329"/>
+          </a:xfrm>
+          <a:prstGeom prst="rect">
+            <a:avLst/>
+          </a:prstGeom>
+          <a:noFill/>
+        </p:spPr>
+        <p:txBody>
+          <a:bodyPr wrap="square" rtlCol="0">
+            <a:spAutoFit/>
+          </a:bodyPr>
+          <a:lstStyle/>
+          <a:p>
+            <a:pPr algn="ctr"/>
+            <a:r>
+              <a:rPr lang="en-US" dirty="0"/>
+              <a:t>CPAD modelling dataset</a:t>
+            </a:r>
+          </a:p>
+          <a:p>
+            <a:pPr algn="ctr"/>
+            <a:r>
+              <a:rPr lang="en-US" dirty="0"/>
+              <a:t>N = 3625 (550 t=1); t = 17022</a:t>
+            </a:r>
+          </a:p>
+          <a:p>
+            <a:pPr algn="ctr"/>
+            <a:r>
+              <a:rPr lang="en-US" dirty="0"/>
+              <a:t>ADAS-Cog – N=2850 ; t=15025</a:t>
+            </a:r>
+          </a:p>
+          <a:p>
+            <a:pPr algn="ctr"/>
+            <a:r>
+              <a:rPr lang="en-US" dirty="0"/>
+              <a:t>CDR Status – N= 3623; t=15352</a:t>
+            </a:r>
+          </a:p>
+        </p:txBody>
+      </p:sp>
+      <p:cxnSp>
+        <p:nvCxnSpPr>
+          <p:cNvPr id="3" name="Straight Arrow Connector 2">
+            <a:extLst>
+              <a:ext uri="{FF2B5EF4-FFF2-40B4-BE49-F238E27FC236}">
+                <a16:creationId xmlns:a16="http://schemas.microsoft.com/office/drawing/2014/main" id="{AAFC3620-DEB5-4252-A1B3-64ED0BA9C7EA}"/>
+              </a:ext>
+            </a:extLst>
+          </p:cNvPr>
+          <p:cNvCxnSpPr>
+            <a:cxnSpLocks/>
+            <a:stCxn id="7" idx="2"/>
+            <a:endCxn id="10" idx="0"/>
+          </p:cNvCxnSpPr>
+          <p:nvPr/>
+        </p:nvCxnSpPr>
+        <p:spPr>
+          <a:xfrm flipH="1">
+            <a:off x="5476012" y="3402108"/>
+            <a:ext cx="3563" cy="1079600"/>
+          </a:xfrm>
+          <a:prstGeom prst="straightConnector1">
+            <a:avLst/>
+          </a:prstGeom>
+          <a:ln>
+            <a:tailEnd type="triangle"/>
+          </a:ln>
+        </p:spPr>
+        <p:style>
+          <a:lnRef idx="1">
+            <a:schemeClr val="dk1"/>
+          </a:lnRef>
+          <a:fillRef idx="0">
+            <a:schemeClr val="dk1"/>
+          </a:fillRef>
+          <a:effectRef idx="0">
+            <a:schemeClr val="dk1"/>
+          </a:effectRef>
+          <a:fontRef idx="minor">
+            <a:schemeClr val="tx1"/>
+          </a:fontRef>
+        </p:style>
+      </p:cxnSp>
+      <p:sp>
+        <p:nvSpPr>
+          <p:cNvPr id="7" name="TextBox 6">
+            <a:extLst>
+              <a:ext uri="{FF2B5EF4-FFF2-40B4-BE49-F238E27FC236}">
+                <a16:creationId xmlns:a16="http://schemas.microsoft.com/office/drawing/2014/main" id="{4F414C1C-066E-4E8B-8F82-8BF7669B7844}"/>
+              </a:ext>
+            </a:extLst>
+          </p:cNvPr>
+          <p:cNvSpPr txBox="1"/>
+          <p:nvPr/>
+        </p:nvSpPr>
+        <p:spPr>
+          <a:xfrm>
+            <a:off x="3844657" y="2201779"/>
+            <a:ext cx="3269836" cy="1200329"/>
+          </a:xfrm>
+          <a:prstGeom prst="rect">
+            <a:avLst/>
+          </a:prstGeom>
+          <a:noFill/>
+        </p:spPr>
+        <p:txBody>
+          <a:bodyPr wrap="square" rtlCol="0">
+            <a:spAutoFit/>
+          </a:bodyPr>
+          <a:lstStyle/>
+          <a:p>
+            <a:pPr algn="ctr"/>
+            <a:r>
+              <a:rPr lang="en-US" dirty="0"/>
+              <a:t>Pre-holdout dataset</a:t>
+            </a:r>
+          </a:p>
+          <a:p>
+            <a:pPr algn="ctr"/>
+            <a:r>
+              <a:rPr lang="en-US" dirty="0"/>
+              <a:t>N = 3501 (490 t=1); t = 16706</a:t>
+            </a:r>
+          </a:p>
+          <a:p>
+            <a:pPr algn="ctr"/>
+            <a:r>
+              <a:rPr lang="en-US" dirty="0"/>
+              <a:t>ADAS-Cog – N=2850 ; t=15025</a:t>
+            </a:r>
+          </a:p>
+          <a:p>
+            <a:pPr algn="ctr"/>
+            <a:r>
+              <a:rPr lang="en-US" dirty="0"/>
+              <a:t>CDR Status – N= 3093; t=13169</a:t>
+            </a:r>
+          </a:p>
+        </p:txBody>
+      </p:sp>
+      <p:sp>
+        <p:nvSpPr>
+          <p:cNvPr id="8" name="TextBox 7">
+            <a:extLst>
+              <a:ext uri="{FF2B5EF4-FFF2-40B4-BE49-F238E27FC236}">
+                <a16:creationId xmlns:a16="http://schemas.microsoft.com/office/drawing/2014/main" id="{26173984-ED96-43BA-93CD-79B9D346194E}"/>
+              </a:ext>
+            </a:extLst>
+          </p:cNvPr>
+          <p:cNvSpPr txBox="1"/>
+          <p:nvPr/>
+        </p:nvSpPr>
+        <p:spPr>
+          <a:xfrm>
+            <a:off x="5914783" y="1479973"/>
+            <a:ext cx="3409692" cy="646331"/>
+          </a:xfrm>
+          <a:prstGeom prst="rect">
+            <a:avLst/>
+          </a:prstGeom>
+          <a:noFill/>
+        </p:spPr>
+        <p:txBody>
+          <a:bodyPr wrap="square" rtlCol="0">
+            <a:spAutoFit/>
+          </a:bodyPr>
+          <a:lstStyle/>
+          <a:p>
+            <a:r>
+              <a:rPr lang="en-US" sz="1200" dirty="0"/>
+              <a:t>Build CDR status reference model:</a:t>
+            </a:r>
+          </a:p>
+          <a:p>
+            <a:pPr marL="285750" indent="-171450">
+              <a:buFont typeface="Arial" panose="020B0604020202020204" pitchFamily="34" charset="0"/>
+              <a:buChar char="•"/>
+            </a:pPr>
+            <a:r>
+              <a:rPr lang="en-US" sz="1200" dirty="0"/>
+              <a:t>Extract 15% of the CDR measures with subjects representatively sampled across times</a:t>
+            </a:r>
+          </a:p>
+        </p:txBody>
+      </p:sp>
+      <p:sp>
+        <p:nvSpPr>
+          <p:cNvPr id="9" name="TextBox 8">
+            <a:extLst>
+              <a:ext uri="{FF2B5EF4-FFF2-40B4-BE49-F238E27FC236}">
+                <a16:creationId xmlns:a16="http://schemas.microsoft.com/office/drawing/2014/main" id="{C152754D-FDE5-466F-BC43-642B608FF4E5}"/>
+              </a:ext>
+            </a:extLst>
+          </p:cNvPr>
+          <p:cNvSpPr txBox="1"/>
+          <p:nvPr/>
+        </p:nvSpPr>
+        <p:spPr>
+          <a:xfrm>
+            <a:off x="7339604" y="2391706"/>
+            <a:ext cx="3675421" cy="1200329"/>
+          </a:xfrm>
+          <a:prstGeom prst="rect">
+            <a:avLst/>
+          </a:prstGeom>
+          <a:noFill/>
+        </p:spPr>
+        <p:txBody>
+          <a:bodyPr wrap="square" rtlCol="0">
+            <a:spAutoFit/>
+          </a:bodyPr>
+          <a:lstStyle/>
+          <a:p>
+            <a:r>
+              <a:rPr lang="en-US" sz="1200" dirty="0"/>
+              <a:t>Create validation holdouts:</a:t>
+            </a:r>
+          </a:p>
+          <a:p>
+            <a:pPr marL="285750" indent="-171450">
+              <a:buFont typeface="Arial" panose="020B0604020202020204" pitchFamily="34" charset="0"/>
+              <a:buChar char="•"/>
+            </a:pPr>
+            <a:r>
+              <a:rPr lang="en-US" sz="1200" dirty="0"/>
+              <a:t>Extract 10% of all subjects as a holdout for evaluation on trajectories</a:t>
+            </a:r>
+          </a:p>
+          <a:p>
+            <a:pPr marL="285750" indent="-171450">
+              <a:buFont typeface="Arial" panose="020B0604020202020204" pitchFamily="34" charset="0"/>
+              <a:buChar char="•"/>
+            </a:pPr>
+            <a:r>
+              <a:rPr lang="en-US" sz="1200" dirty="0"/>
+              <a:t>Holdout 10% of the final observations from the remaining participants with at least two timepoints for evaluation of last visit forecasting</a:t>
+            </a:r>
+          </a:p>
+        </p:txBody>
+      </p:sp>
+      <p:sp>
+        <p:nvSpPr>
+          <p:cNvPr id="10" name="TextBox 9">
+            <a:extLst>
+              <a:ext uri="{FF2B5EF4-FFF2-40B4-BE49-F238E27FC236}">
+                <a16:creationId xmlns:a16="http://schemas.microsoft.com/office/drawing/2014/main" id="{89E080A5-EAFE-4A8C-9CBF-B6DDE3318E3C}"/>
+              </a:ext>
+            </a:extLst>
+          </p:cNvPr>
+          <p:cNvSpPr txBox="1"/>
+          <p:nvPr/>
+        </p:nvSpPr>
+        <p:spPr>
+          <a:xfrm>
+            <a:off x="3841094" y="4481708"/>
+            <a:ext cx="3269836" cy="1200329"/>
+          </a:xfrm>
+          <a:prstGeom prst="rect">
+            <a:avLst/>
+          </a:prstGeom>
+          <a:noFill/>
+        </p:spPr>
+        <p:txBody>
+          <a:bodyPr wrap="square" rtlCol="0">
+            <a:spAutoFit/>
+          </a:bodyPr>
+          <a:lstStyle/>
+          <a:p>
+            <a:pPr algn="ctr"/>
+            <a:r>
+              <a:rPr lang="en-US" dirty="0"/>
+              <a:t>Model building dataset</a:t>
+            </a:r>
+          </a:p>
+          <a:p>
+            <a:pPr algn="ctr"/>
+            <a:r>
+              <a:rPr lang="en-US" dirty="0"/>
+              <a:t>N = 3117 (438 t=1); t = 14708</a:t>
+            </a:r>
+          </a:p>
+          <a:p>
+            <a:pPr algn="ctr"/>
+            <a:r>
+              <a:rPr lang="en-US" dirty="0"/>
+              <a:t>ADAS-Cog – N=2555; t=13240</a:t>
+            </a:r>
+          </a:p>
+          <a:p>
+            <a:pPr algn="ctr"/>
+            <a:r>
+              <a:rPr lang="en-US" dirty="0"/>
+              <a:t>CDR Status – N= 2755; t=11639</a:t>
+            </a:r>
+          </a:p>
+        </p:txBody>
+      </p:sp>
+      <p:sp>
+        <p:nvSpPr>
+          <p:cNvPr id="11" name="TextBox 10">
+            <a:extLst>
+              <a:ext uri="{FF2B5EF4-FFF2-40B4-BE49-F238E27FC236}">
+                <a16:creationId xmlns:a16="http://schemas.microsoft.com/office/drawing/2014/main" id="{4C091035-A6A6-4733-89A6-CEBF7E5CEE46}"/>
+              </a:ext>
+            </a:extLst>
+          </p:cNvPr>
+          <p:cNvSpPr txBox="1"/>
+          <p:nvPr/>
+        </p:nvSpPr>
+        <p:spPr>
+          <a:xfrm>
+            <a:off x="290882" y="4481708"/>
+            <a:ext cx="3269836" cy="1200329"/>
+          </a:xfrm>
+          <a:prstGeom prst="rect">
+            <a:avLst/>
+          </a:prstGeom>
+          <a:noFill/>
+        </p:spPr>
+        <p:txBody>
+          <a:bodyPr wrap="square" rtlCol="0">
+            <a:spAutoFit/>
+          </a:bodyPr>
+          <a:lstStyle/>
+          <a:p>
+            <a:pPr algn="ctr"/>
+            <a:r>
+              <a:rPr lang="en-US" dirty="0"/>
+              <a:t>Trajectory validation set</a:t>
+            </a:r>
+          </a:p>
+          <a:p>
+            <a:pPr algn="ctr"/>
+            <a:r>
+              <a:rPr lang="en-US" dirty="0"/>
+              <a:t>N = 348 (51 t=1); t = 1682</a:t>
+            </a:r>
+          </a:p>
+          <a:p>
+            <a:pPr algn="ctr"/>
+            <a:r>
+              <a:rPr lang="en-US" dirty="0"/>
+              <a:t>ADAS-Cog – N=289; t=1538</a:t>
+            </a:r>
+          </a:p>
+          <a:p>
+            <a:pPr algn="ctr"/>
+            <a:r>
+              <a:rPr lang="en-US" dirty="0"/>
+              <a:t>CDR Status – N=304; t=1267</a:t>
+            </a:r>
+          </a:p>
+        </p:txBody>
+      </p:sp>
+      <p:sp>
+        <p:nvSpPr>
+          <p:cNvPr id="12" name="TextBox 11">
+            <a:extLst>
+              <a:ext uri="{FF2B5EF4-FFF2-40B4-BE49-F238E27FC236}">
+                <a16:creationId xmlns:a16="http://schemas.microsoft.com/office/drawing/2014/main" id="{57ACDBAD-5901-4735-A87F-7D312E355562}"/>
+              </a:ext>
+            </a:extLst>
+          </p:cNvPr>
+          <p:cNvSpPr txBox="1"/>
+          <p:nvPr/>
+        </p:nvSpPr>
+        <p:spPr>
+          <a:xfrm>
+            <a:off x="7641854" y="4481708"/>
+            <a:ext cx="3269836" cy="1200329"/>
+          </a:xfrm>
+          <a:prstGeom prst="rect">
+            <a:avLst/>
+          </a:prstGeom>
+          <a:noFill/>
+        </p:spPr>
+        <p:txBody>
+          <a:bodyPr wrap="square" rtlCol="0">
+            <a:spAutoFit/>
+          </a:bodyPr>
+          <a:lstStyle/>
+          <a:p>
+            <a:pPr algn="ctr"/>
+            <a:r>
+              <a:rPr lang="en-US" dirty="0"/>
+              <a:t>Last observation forecasting set</a:t>
+            </a:r>
+          </a:p>
+          <a:p>
+            <a:pPr algn="ctr"/>
+            <a:r>
+              <a:rPr lang="en-US" dirty="0"/>
+              <a:t>N = 262</a:t>
+            </a:r>
+          </a:p>
+          <a:p>
+            <a:pPr algn="ctr"/>
+            <a:r>
+              <a:rPr lang="en-US" dirty="0"/>
+              <a:t>ADAS-Cog – N=235</a:t>
+            </a:r>
+          </a:p>
+          <a:p>
+            <a:pPr algn="ctr"/>
+            <a:r>
+              <a:rPr lang="en-US" dirty="0"/>
+              <a:t>CDR Status – N= 230</a:t>
+            </a:r>
+          </a:p>
+        </p:txBody>
+      </p:sp>
+      <p:sp>
+        <p:nvSpPr>
+          <p:cNvPr id="13" name="TextBox 12">
+            <a:extLst>
+              <a:ext uri="{FF2B5EF4-FFF2-40B4-BE49-F238E27FC236}">
+                <a16:creationId xmlns:a16="http://schemas.microsoft.com/office/drawing/2014/main" id="{2818F94F-DEDE-44A8-9205-641B3F2E35C2}"/>
+              </a:ext>
+            </a:extLst>
+          </p:cNvPr>
+          <p:cNvSpPr txBox="1"/>
+          <p:nvPr/>
+        </p:nvSpPr>
+        <p:spPr>
+          <a:xfrm>
+            <a:off x="207336" y="2484039"/>
+            <a:ext cx="3675421" cy="1015663"/>
+          </a:xfrm>
+          <a:prstGeom prst="rect">
+            <a:avLst/>
+          </a:prstGeom>
+          <a:noFill/>
+        </p:spPr>
+        <p:txBody>
+          <a:bodyPr wrap="square" rtlCol="0">
+            <a:spAutoFit/>
+          </a:bodyPr>
+          <a:lstStyle/>
+          <a:p>
+            <a:r>
+              <a:rPr lang="en-US" sz="1200" dirty="0"/>
+              <a:t>Finalize dataset:</a:t>
+            </a:r>
+          </a:p>
+          <a:p>
+            <a:pPr marL="285750" indent="-171450">
+              <a:buFont typeface="Arial" panose="020B0604020202020204" pitchFamily="34" charset="0"/>
+              <a:buChar char="•"/>
+            </a:pPr>
+            <a:r>
+              <a:rPr lang="en-US" sz="1200" dirty="0"/>
+              <a:t>Filter data for complete coverage of covariates as complete matrices are a common requirement</a:t>
+            </a:r>
+          </a:p>
+          <a:p>
+            <a:pPr marL="285750" indent="-171450">
+              <a:buFont typeface="Arial" panose="020B0604020202020204" pitchFamily="34" charset="0"/>
+              <a:buChar char="•"/>
+            </a:pPr>
+            <a:r>
+              <a:rPr lang="en-US" sz="1200" dirty="0"/>
+              <a:t>Populate MMSE score at baseline based on first </a:t>
+            </a:r>
+            <a:br>
+              <a:rPr lang="en-US" sz="1200" dirty="0"/>
+            </a:br>
+            <a:r>
+              <a:rPr lang="en-US" sz="1200" dirty="0"/>
+              <a:t>non-missing value within first six months and LOCF</a:t>
+            </a:r>
+          </a:p>
+        </p:txBody>
+      </p:sp>
+      <p:cxnSp>
+        <p:nvCxnSpPr>
+          <p:cNvPr id="19" name="Connector: Elbow 18">
+            <a:extLst>
+              <a:ext uri="{FF2B5EF4-FFF2-40B4-BE49-F238E27FC236}">
+                <a16:creationId xmlns:a16="http://schemas.microsoft.com/office/drawing/2014/main" id="{76F1760B-AFB9-439F-8979-B64617755A72}"/>
+              </a:ext>
+            </a:extLst>
+          </p:cNvPr>
+          <p:cNvCxnSpPr>
+            <a:cxnSpLocks/>
+          </p:cNvCxnSpPr>
+          <p:nvPr/>
+        </p:nvCxnSpPr>
+        <p:spPr>
+          <a:xfrm rot="10800000" flipV="1">
+            <a:off x="1925801" y="3847524"/>
+            <a:ext cx="3557339" cy="634184"/>
+          </a:xfrm>
+          <a:prstGeom prst="bentConnector2">
+            <a:avLst/>
+          </a:prstGeom>
+          <a:ln>
+            <a:tailEnd type="triangle"/>
+          </a:ln>
+        </p:spPr>
+        <p:style>
+          <a:lnRef idx="1">
+            <a:schemeClr val="dk1"/>
+          </a:lnRef>
+          <a:fillRef idx="0">
+            <a:schemeClr val="dk1"/>
+          </a:fillRef>
+          <a:effectRef idx="0">
+            <a:schemeClr val="dk1"/>
+          </a:effectRef>
+          <a:fontRef idx="minor">
+            <a:schemeClr val="tx1"/>
+          </a:fontRef>
+        </p:style>
+      </p:cxnSp>
+      <p:cxnSp>
+        <p:nvCxnSpPr>
+          <p:cNvPr id="21" name="Connector: Elbow 20">
+            <a:extLst>
+              <a:ext uri="{FF2B5EF4-FFF2-40B4-BE49-F238E27FC236}">
+                <a16:creationId xmlns:a16="http://schemas.microsoft.com/office/drawing/2014/main" id="{DF044D47-7500-4453-9EF1-3231DA9C2743}"/>
+              </a:ext>
+            </a:extLst>
+          </p:cNvPr>
+          <p:cNvCxnSpPr>
+            <a:cxnSpLocks/>
+          </p:cNvCxnSpPr>
+          <p:nvPr/>
+        </p:nvCxnSpPr>
+        <p:spPr>
+          <a:xfrm>
+            <a:off x="5479575" y="3853074"/>
+            <a:ext cx="3797197" cy="635171"/>
+          </a:xfrm>
+          <a:prstGeom prst="bentConnector2">
+            <a:avLst/>
+          </a:prstGeom>
+          <a:ln>
+            <a:tailEnd type="triangle"/>
+          </a:ln>
+        </p:spPr>
+        <p:style>
+          <a:lnRef idx="1">
+            <a:schemeClr val="dk1"/>
+          </a:lnRef>
+          <a:fillRef idx="0">
+            <a:schemeClr val="dk1"/>
+          </a:fillRef>
+          <a:effectRef idx="0">
+            <a:schemeClr val="dk1"/>
+          </a:effectRef>
+          <a:fontRef idx="minor">
+            <a:schemeClr val="tx1"/>
+          </a:fontRef>
+        </p:style>
+      </p:cxnSp>
+      <p:cxnSp>
+        <p:nvCxnSpPr>
+          <p:cNvPr id="23" name="Straight Arrow Connector 22">
+            <a:extLst>
+              <a:ext uri="{FF2B5EF4-FFF2-40B4-BE49-F238E27FC236}">
+                <a16:creationId xmlns:a16="http://schemas.microsoft.com/office/drawing/2014/main" id="{7C46E918-F6C0-48EE-B85E-E04AD1CB39BA}"/>
+              </a:ext>
+            </a:extLst>
+          </p:cNvPr>
+          <p:cNvCxnSpPr>
+            <a:stCxn id="2" idx="2"/>
+            <a:endCxn id="7" idx="0"/>
+          </p:cNvCxnSpPr>
+          <p:nvPr/>
+        </p:nvCxnSpPr>
+        <p:spPr>
+          <a:xfrm>
+            <a:off x="5479575" y="1498197"/>
+            <a:ext cx="0" cy="703582"/>
+          </a:xfrm>
+          <a:prstGeom prst="straightConnector1">
+            <a:avLst/>
+          </a:prstGeom>
+          <a:ln>
+            <a:tailEnd type="triangle"/>
+          </a:ln>
+        </p:spPr>
+        <p:style>
+          <a:lnRef idx="1">
+            <a:schemeClr val="dk1"/>
+          </a:lnRef>
+          <a:fillRef idx="0">
+            <a:schemeClr val="dk1"/>
+          </a:fillRef>
+          <a:effectRef idx="0">
+            <a:schemeClr val="dk1"/>
+          </a:effectRef>
+          <a:fontRef idx="minor">
+            <a:schemeClr val="tx1"/>
+          </a:fontRef>
+        </p:style>
+      </p:cxnSp>
+    </p:spTree>
+    <p:extLst>
+      <p:ext uri="{BB962C8B-B14F-4D97-AF65-F5344CB8AC3E}">
+        <p14:creationId xmlns:p14="http://schemas.microsoft.com/office/powerpoint/2010/main" val="3665233954"/>
+      </p:ext>
+    </p:extLst>
+  </p:cSld>
+  <p:clrMapOvr>
+    <a:masterClrMapping/>
+  </p:clrMapOvr>
+</p:sld>
+</file>
+
 <file path=ppt/theme/theme1.xml><?xml version="1.0" encoding="utf-8"?>
 <a:theme xmlns:a="http://schemas.openxmlformats.org/drawingml/2006/main" name="Office Theme">
   <a:themeElements>
